--- a/software/sikhi2max/themes/white_yellow_khanda.pptx
+++ b/software/sikhi2max/themes/white_yellow_khanda.pptx
@@ -235,7 +235,7 @@
               <a:pPr>
                 <a:defRPr/>
               </a:pPr>
-              <a:t>6/8/2014</a:t>
+              <a:t>6/12/2014</a:t>
             </a:fld>
             <a:endParaRPr lang="en-GB"/>
           </a:p>
@@ -1452,47 +1452,6 @@
               <a:latin typeface="Trebuchet MS" pitchFamily="34" charset="0"/>
               <a:cs typeface="Tahoma" pitchFamily="34" charset="0"/>
             </a:endParaRPr>
-          </a:p>
-        </p:txBody>
-      </p:sp>
-      <p:sp>
-        <p:nvSpPr>
-          <p:cNvPr id="2" name="TextBox 5"/>
-          <p:cNvSpPr txBox="1">
-            <a:spLocks noChangeArrowheads="1"/>
-          </p:cNvSpPr>
-          <p:nvPr/>
-        </p:nvSpPr>
-        <p:spPr bwMode="auto">
-          <a:xfrm>
-            <a:off x="5286375" y="6357938"/>
-            <a:ext cx="3857625" cy="307975"/>
-          </a:xfrm>
-          <a:prstGeom prst="rect">
-            <a:avLst/>
-          </a:prstGeom>
-          <a:noFill/>
-          <a:ln w="9525">
-            <a:noFill/>
-            <a:miter lim="800000"/>
-            <a:headEnd/>
-            <a:tailEnd/>
-          </a:ln>
-        </p:spPr>
-        <p:txBody>
-          <a:bodyPr>
-            <a:spAutoFit/>
-          </a:bodyPr>
-          <a:lstStyle/>
-          <a:p>
-            <a:r>
-              <a:rPr lang="en-AU" sz="1400">
-                <a:solidFill>
-                  <a:srgbClr val="0066FF"/>
-                </a:solidFill>
-              </a:rPr>
-              <a:t>Gurudwara Sahib Parklea , Sydney</a:t>
-            </a:r>
           </a:p>
         </p:txBody>
       </p:sp>
